--- a/templates/elegante.pptx
+++ b/templates/elegante.pptx
@@ -108,6 +108,11 @@
       </a:defRPr>
     </a:lvl9pPr>
   </p:defaultTextStyle>
+  <p:extLst>
+    <p:ext uri="{EFAFB233-063F-42B5-8137-9DF3F51BA10A}">
+      <p15:sldGuideLst xmlns:p15="http://schemas.microsoft.com/office/powerpoint/2012/main"/>
+    </p:ext>
+  </p:extLst>
 </p:presentation>
 </file>
 
@@ -299,7 +304,7 @@
           <a:p>
             <a:fld id="{54B74C5D-DB33-45C9-921F-AC657D85A415}" type="datetimeFigureOut">
               <a:rPr lang="es-ES" smtClean="0"/>
-              <a:t>21/05/2025</a:t>
+              <a:t>25/05/2025</a:t>
             </a:fld>
             <a:endParaRPr lang="es-ES"/>
           </a:p>
@@ -480,7 +485,7 @@
           <a:lstStyle/>
           <a:p>
             <a:r>
-              <a:rPr lang="es-ES"/>
+              <a:rPr lang="es-ES" dirty="0"/>
               <a:t>Haga clic para modificar el estilo de título del patrón</a:t>
             </a:r>
             <a:endParaRPr lang="en-US" dirty="0"/>
@@ -504,7 +509,7 @@
           <a:p>
             <a:fld id="{54B74C5D-DB33-45C9-921F-AC657D85A415}" type="datetimeFigureOut">
               <a:rPr lang="es-ES" smtClean="0"/>
-              <a:t>21/05/2025</a:t>
+              <a:t>25/05/2025</a:t>
             </a:fld>
             <a:endParaRPr lang="es-ES"/>
           </a:p>
@@ -681,7 +686,7 @@
           <a:p>
             <a:fld id="{54B74C5D-DB33-45C9-921F-AC657D85A415}" type="datetimeFigureOut">
               <a:rPr lang="es-ES" smtClean="0"/>
-              <a:t>21/05/2025</a:t>
+              <a:t>25/05/2025</a:t>
             </a:fld>
             <a:endParaRPr lang="es-ES"/>
           </a:p>
@@ -1014,7 +1019,7 @@
           <a:p>
             <a:fld id="{54B74C5D-DB33-45C9-921F-AC657D85A415}" type="datetimeFigureOut">
               <a:rPr lang="es-ES" smtClean="0"/>
-              <a:t>21/05/2025</a:t>
+              <a:t>25/05/2025</a:t>
             </a:fld>
             <a:endParaRPr lang="es-ES"/>
           </a:p>
@@ -1360,7 +1365,7 @@
             <a:fld id="{8E36636D-D922-432D-A958-524484B5923D}" type="datetimeFigureOut">
               <a:rPr lang="en-US" smtClean="0"/>
               <a:pPr/>
-              <a:t>5/21/2025</a:t>
+              <a:t>5/25/2025</a:t>
             </a:fld>
             <a:endParaRPr lang="en-US" dirty="0"/>
           </a:p>
@@ -1699,7 +1704,7 @@
           <a:p>
             <a:fld id="{54B74C5D-DB33-45C9-921F-AC657D85A415}" type="datetimeFigureOut">
               <a:rPr lang="es-ES" smtClean="0"/>
-              <a:t>21/05/2025</a:t>
+              <a:t>25/05/2025</a:t>
             </a:fld>
             <a:endParaRPr lang="es-ES"/>
           </a:p>
@@ -2100,7 +2105,7 @@
           <a:p>
             <a:fld id="{54B74C5D-DB33-45C9-921F-AC657D85A415}" type="datetimeFigureOut">
               <a:rPr lang="es-ES" smtClean="0"/>
-              <a:t>21/05/2025</a:t>
+              <a:t>25/05/2025</a:t>
             </a:fld>
             <a:endParaRPr lang="es-ES"/>
           </a:p>
@@ -2436,7 +2441,7 @@
           <a:p>
             <a:fld id="{54B74C5D-DB33-45C9-921F-AC657D85A415}" type="datetimeFigureOut">
               <a:rPr lang="es-ES" smtClean="0"/>
-              <a:t>21/05/2025</a:t>
+              <a:t>25/05/2025</a:t>
             </a:fld>
             <a:endParaRPr lang="es-ES"/>
           </a:p>
@@ -2756,7 +2761,7 @@
           <a:p>
             <a:fld id="{54B74C5D-DB33-45C9-921F-AC657D85A415}" type="datetimeFigureOut">
               <a:rPr lang="es-ES" smtClean="0"/>
-              <a:t>21/05/2025</a:t>
+              <a:t>25/05/2025</a:t>
             </a:fld>
             <a:endParaRPr lang="es-ES"/>
           </a:p>
@@ -3152,7 +3157,7 @@
           <a:p>
             <a:fld id="{54B74C5D-DB33-45C9-921F-AC657D85A415}" type="datetimeFigureOut">
               <a:rPr lang="es-ES" smtClean="0"/>
-              <a:t>21/05/2025</a:t>
+              <a:t>25/05/2025</a:t>
             </a:fld>
             <a:endParaRPr lang="es-ES"/>
           </a:p>
@@ -3409,7 +3414,7 @@
           <a:p>
             <a:fld id="{54B74C5D-DB33-45C9-921F-AC657D85A415}" type="datetimeFigureOut">
               <a:rPr lang="es-ES" smtClean="0"/>
-              <a:t>21/05/2025</a:t>
+              <a:t>25/05/2025</a:t>
             </a:fld>
             <a:endParaRPr lang="es-ES"/>
           </a:p>
@@ -3671,7 +3676,7 @@
           <a:p>
             <a:fld id="{54B74C5D-DB33-45C9-921F-AC657D85A415}" type="datetimeFigureOut">
               <a:rPr lang="es-ES" smtClean="0"/>
-              <a:t>21/05/2025</a:t>
+              <a:t>25/05/2025</a:t>
             </a:fld>
             <a:endParaRPr lang="es-ES"/>
           </a:p>
@@ -3933,7 +3938,7 @@
           <a:p>
             <a:fld id="{54B74C5D-DB33-45C9-921F-AC657D85A415}" type="datetimeFigureOut">
               <a:rPr lang="es-ES" smtClean="0"/>
-              <a:t>21/05/2025</a:t>
+              <a:t>25/05/2025</a:t>
             </a:fld>
             <a:endParaRPr lang="es-ES"/>
           </a:p>
@@ -4262,7 +4267,7 @@
           <a:p>
             <a:fld id="{54B74C5D-DB33-45C9-921F-AC657D85A415}" type="datetimeFigureOut">
               <a:rPr lang="es-ES" smtClean="0"/>
-              <a:t>21/05/2025</a:t>
+              <a:t>25/05/2025</a:t>
             </a:fld>
             <a:endParaRPr lang="es-ES"/>
           </a:p>
@@ -4532,10 +4537,12 @@
         </p:nvSpPr>
         <p:spPr/>
         <p:txBody>
-          <a:bodyPr/>
+          <a:bodyPr>
+            <a:normAutofit/>
+          </a:bodyPr>
           <a:lstStyle>
             <a:lvl1pPr>
-              <a:defRPr b="1">
+              <a:defRPr sz="2400" b="1">
                 <a:latin typeface="Playfair Display" panose="00000500000000000000" pitchFamily="2" charset="0"/>
               </a:defRPr>
             </a:lvl1pPr>
@@ -4803,10 +4810,12 @@
         </p:nvSpPr>
         <p:spPr/>
         <p:txBody>
-          <a:bodyPr/>
+          <a:bodyPr>
+            <a:normAutofit/>
+          </a:bodyPr>
           <a:lstStyle>
             <a:lvl1pPr>
-              <a:defRPr b="1">
+              <a:defRPr sz="2400" b="1">
                 <a:latin typeface="Playfair Display" panose="00000500000000000000" pitchFamily="2" charset="0"/>
               </a:defRPr>
             </a:lvl1pPr>
@@ -4877,27 +4886,27 @@
           </a:bodyPr>
           <a:lstStyle>
             <a:lvl1pPr>
-              <a:defRPr sz="2400">
+              <a:defRPr sz="2000">
                 <a:latin typeface="Garamond" panose="02020404030301010803" pitchFamily="18" charset="0"/>
               </a:defRPr>
             </a:lvl1pPr>
             <a:lvl2pPr>
-              <a:defRPr sz="2400">
+              <a:defRPr sz="2000">
                 <a:latin typeface="Garamond" panose="02020404030301010803" pitchFamily="18" charset="0"/>
               </a:defRPr>
             </a:lvl2pPr>
             <a:lvl3pPr>
-              <a:defRPr sz="2400">
+              <a:defRPr sz="2000">
                 <a:latin typeface="Garamond" panose="02020404030301010803" pitchFamily="18" charset="0"/>
               </a:defRPr>
             </a:lvl3pPr>
             <a:lvl4pPr>
-              <a:defRPr sz="2400">
+              <a:defRPr sz="2000">
                 <a:latin typeface="Garamond" panose="02020404030301010803" pitchFamily="18" charset="0"/>
               </a:defRPr>
             </a:lvl4pPr>
             <a:lvl5pPr>
-              <a:defRPr sz="2400">
+              <a:defRPr sz="2000">
                 <a:latin typeface="Garamond" panose="02020404030301010803" pitchFamily="18" charset="0"/>
               </a:defRPr>
             </a:lvl5pPr>
@@ -5074,10 +5083,12 @@
         </p:nvSpPr>
         <p:spPr/>
         <p:txBody>
-          <a:bodyPr/>
+          <a:bodyPr>
+            <a:normAutofit/>
+          </a:bodyPr>
           <a:lstStyle>
             <a:lvl1pPr>
-              <a:defRPr b="1">
+              <a:defRPr sz="2400" b="1">
                 <a:latin typeface="Playfair Display" panose="00000500000000000000" pitchFamily="2" charset="0"/>
               </a:defRPr>
             </a:lvl1pPr>
@@ -5118,27 +5129,27 @@
           </a:bodyPr>
           <a:lstStyle>
             <a:lvl1pPr>
-              <a:defRPr sz="3600">
+              <a:defRPr sz="2000">
                 <a:latin typeface="Garamond" panose="02020404030301010803" pitchFamily="18" charset="0"/>
               </a:defRPr>
             </a:lvl1pPr>
             <a:lvl2pPr>
-              <a:defRPr sz="3600">
+              <a:defRPr sz="2000">
                 <a:latin typeface="Garamond" panose="02020404030301010803" pitchFamily="18" charset="0"/>
               </a:defRPr>
             </a:lvl2pPr>
             <a:lvl3pPr>
-              <a:defRPr sz="3600">
+              <a:defRPr sz="2000">
                 <a:latin typeface="Garamond" panose="02020404030301010803" pitchFamily="18" charset="0"/>
               </a:defRPr>
             </a:lvl3pPr>
             <a:lvl4pPr>
-              <a:defRPr sz="3600">
+              <a:defRPr sz="2000">
                 <a:latin typeface="Garamond" panose="02020404030301010803" pitchFamily="18" charset="0"/>
               </a:defRPr>
             </a:lvl4pPr>
             <a:lvl5pPr>
-              <a:defRPr sz="3600">
+              <a:defRPr sz="2000">
                 <a:latin typeface="Garamond" panose="02020404030301010803" pitchFamily="18" charset="0"/>
               </a:defRPr>
             </a:lvl5pPr>
@@ -5320,10 +5331,12 @@
           </a:xfrm>
         </p:spPr>
         <p:txBody>
-          <a:bodyPr/>
+          <a:bodyPr>
+            <a:normAutofit/>
+          </a:bodyPr>
           <a:lstStyle>
             <a:lvl1pPr>
-              <a:defRPr b="1">
+              <a:defRPr sz="2400" b="1">
                 <a:latin typeface="Playfair Display" panose="00000500000000000000" pitchFamily="2" charset="0"/>
               </a:defRPr>
             </a:lvl1pPr>
@@ -5586,10 +5599,12 @@
           </a:xfrm>
         </p:spPr>
         <p:txBody>
-          <a:bodyPr/>
+          <a:bodyPr>
+            <a:normAutofit/>
+          </a:bodyPr>
           <a:lstStyle>
             <a:lvl1pPr algn="ctr">
-              <a:defRPr b="1">
+              <a:defRPr sz="2800" b="1">
                 <a:latin typeface="Playfair Display" panose="00000500000000000000" pitchFamily="2" charset="0"/>
               </a:defRPr>
             </a:lvl1pPr>
@@ -5924,7 +5939,7 @@
           <a:p>
             <a:fld id="{54B74C5D-DB33-45C9-921F-AC657D85A415}" type="datetimeFigureOut">
               <a:rPr lang="es-ES" smtClean="0"/>
-              <a:t>21/05/2025</a:t>
+              <a:t>25/05/2025</a:t>
             </a:fld>
             <a:endParaRPr lang="es-ES"/>
           </a:p>
@@ -8041,7 +8056,7 @@
           <a:p>
             <a:fld id="{54B74C5D-DB33-45C9-921F-AC657D85A415}" type="datetimeFigureOut">
               <a:rPr lang="es-ES" smtClean="0"/>
-              <a:t>21/05/2025</a:t>
+              <a:t>25/05/2025</a:t>
             </a:fld>
             <a:endParaRPr lang="es-ES"/>
           </a:p>
@@ -8584,7 +8599,7 @@
           <a:bodyPr/>
           <a:lstStyle/>
           <a:p>
-            <a:endParaRPr lang="es-ES"/>
+            <a:endParaRPr lang="es-ES" dirty="0"/>
           </a:p>
         </p:txBody>
       </p:sp>
@@ -8639,7 +8654,7 @@
           <a:bodyPr/>
           <a:lstStyle/>
           <a:p>
-            <a:endParaRPr lang="es-ES"/>
+            <a:endParaRPr lang="es-ES" dirty="0"/>
           </a:p>
         </p:txBody>
       </p:sp>
@@ -8686,10 +8701,12 @@
         </p:nvSpPr>
         <p:spPr/>
         <p:txBody>
-          <a:bodyPr/>
+          <a:bodyPr>
+            <a:normAutofit/>
+          </a:bodyPr>
           <a:lstStyle/>
           <a:p>
-            <a:endParaRPr lang="es-ES"/>
+            <a:endParaRPr lang="es-ES" sz="2000" dirty="0"/>
           </a:p>
         </p:txBody>
       </p:sp>
@@ -8791,10 +8808,12 @@
         </p:nvSpPr>
         <p:spPr/>
         <p:txBody>
-          <a:bodyPr/>
+          <a:bodyPr>
+            <a:normAutofit/>
+          </a:bodyPr>
           <a:lstStyle/>
           <a:p>
-            <a:endParaRPr lang="es-ES" dirty="0"/>
+            <a:endParaRPr lang="es-ES" sz="2000" dirty="0"/>
           </a:p>
         </p:txBody>
       </p:sp>
@@ -8849,7 +8868,7 @@
           <a:bodyPr/>
           <a:lstStyle/>
           <a:p>
-            <a:endParaRPr lang="es-ES"/>
+            <a:endParaRPr lang="es-ES" dirty="0"/>
           </a:p>
         </p:txBody>
       </p:sp>
@@ -8871,10 +8890,12 @@
         </p:nvSpPr>
         <p:spPr/>
         <p:txBody>
-          <a:bodyPr/>
+          <a:bodyPr>
+            <a:normAutofit/>
+          </a:bodyPr>
           <a:lstStyle/>
           <a:p>
-            <a:endParaRPr lang="es-ES" dirty="0"/>
+            <a:endParaRPr lang="es-ES" sz="2000" dirty="0"/>
           </a:p>
         </p:txBody>
       </p:sp>
